--- a/presentation/Utilize o VSO e publique imagens Docker-GABBH-v2.pptx
+++ b/presentation/Utilize o VSO e publique imagens Docker-GABBH-v2.pptx
@@ -25,9 +25,9 @@
     <p:sldId id="358" r:id="rId13"/>
     <p:sldId id="361" r:id="rId14"/>
     <p:sldId id="359" r:id="rId15"/>
-    <p:sldId id="362" r:id="rId16"/>
-    <p:sldId id="354" r:id="rId17"/>
-    <p:sldId id="363" r:id="rId18"/>
+    <p:sldId id="354" r:id="rId16"/>
+    <p:sldId id="363" r:id="rId17"/>
+    <p:sldId id="362" r:id="rId18"/>
     <p:sldId id="334" r:id="rId19"/>
   </p:sldIdLst>
   <p:sldSz cx="9144000" cy="5143500" type="screen16x9"/>
@@ -17345,20 +17345,8 @@
           <a:lstStyle/>
           <a:p>
             <a:r>
-              <a:rPr lang="en-JM" dirty="0" err="1" smtClean="0"/>
-              <a:t>Nossa</a:t>
-            </a:r>
-            <a:r>
               <a:rPr lang="en-JM" dirty="0" smtClean="0"/>
-              <a:t> </a:t>
-            </a:r>
-            <a:r>
-              <a:rPr lang="en-JM" dirty="0" smtClean="0">
-                <a:solidFill>
-                  <a:srgbClr val="0070C0"/>
-                </a:solidFill>
-              </a:rPr>
-              <a:t>Agenda</a:t>
+              <a:t>Demo</a:t>
             </a:r>
             <a:endParaRPr lang="en-JM" dirty="0"/>
           </a:p>
@@ -17380,886 +17368,75 @@
           <a:lstStyle/>
           <a:p>
             <a:r>
-              <a:rPr lang="en-JM" dirty="0" smtClean="0"/>
+              <a:rPr lang="en-JM" dirty="0"/>
               <a:t>GAB – Raja Valley</a:t>
             </a:r>
-            <a:endParaRPr lang="en-JM" dirty="0"/>
-          </a:p>
-        </p:txBody>
-      </p:sp>
-      <p:sp>
-        <p:nvSpPr>
-          <p:cNvPr id="5" name="Text Placeholder 4"/>
-          <p:cNvSpPr>
-            <a:spLocks noGrp="1"/>
-          </p:cNvSpPr>
-          <p:nvPr>
-            <p:ph type="body" sz="quarter" idx="15"/>
-          </p:nvPr>
-        </p:nvSpPr>
-        <p:spPr>
-          <a:xfrm>
-            <a:off x="533400" y="1352550"/>
-            <a:ext cx="2971800" cy="284163"/>
-          </a:xfrm>
-        </p:spPr>
-        <p:txBody>
-          <a:bodyPr/>
-          <a:lstStyle/>
-          <a:p>
-            <a:r>
-              <a:rPr lang="en-JM" dirty="0"/>
-              <a:t>01. </a:t>
-            </a:r>
-            <a:r>
-              <a:rPr lang="en-JM" dirty="0" smtClean="0"/>
-              <a:t>INTRODUÇÃO</a:t>
-            </a:r>
-            <a:endParaRPr lang="en-JM" dirty="0"/>
-          </a:p>
-          <a:p>
-            <a:endParaRPr lang="en-JM" dirty="0"/>
-          </a:p>
-        </p:txBody>
-      </p:sp>
-      <p:sp>
-        <p:nvSpPr>
-          <p:cNvPr id="6" name="Text Placeholder 5"/>
-          <p:cNvSpPr>
-            <a:spLocks noGrp="1"/>
-          </p:cNvSpPr>
-          <p:nvPr>
-            <p:ph type="body" sz="quarter" idx="16"/>
-          </p:nvPr>
-        </p:nvSpPr>
-        <p:spPr/>
-        <p:txBody>
-          <a:bodyPr>
-            <a:normAutofit lnSpcReduction="10000"/>
-          </a:bodyPr>
-          <a:lstStyle/>
-          <a:p>
-            <a:pPr marL="171450" indent="-171450">
-              <a:buFont typeface="Arial" panose="020B0604020202020204" pitchFamily="34" charset="0"/>
-              <a:buChar char="•"/>
-            </a:pPr>
-            <a:r>
-              <a:rPr lang="en-JM" dirty="0" err="1" smtClean="0">
-                <a:solidFill>
-                  <a:schemeClr val="tx1">
-                    <a:lumMod val="75000"/>
-                    <a:lumOff val="25000"/>
-                  </a:schemeClr>
-                </a:solidFill>
-              </a:rPr>
-              <a:t>Introdução</a:t>
-            </a:r>
-            <a:r>
-              <a:rPr lang="en-JM" dirty="0" smtClean="0">
-                <a:solidFill>
-                  <a:schemeClr val="tx1">
-                    <a:lumMod val="75000"/>
-                    <a:lumOff val="25000"/>
-                  </a:schemeClr>
-                </a:solidFill>
-              </a:rPr>
-              <a:t> </a:t>
-            </a:r>
-            <a:r>
-              <a:rPr lang="en-JM" dirty="0" err="1" smtClean="0">
-                <a:solidFill>
-                  <a:schemeClr val="tx1">
-                    <a:lumMod val="75000"/>
-                    <a:lumOff val="25000"/>
-                  </a:schemeClr>
-                </a:solidFill>
-              </a:rPr>
-              <a:t>ao</a:t>
-            </a:r>
-            <a:r>
-              <a:rPr lang="en-JM" dirty="0" smtClean="0">
-                <a:solidFill>
-                  <a:schemeClr val="tx1">
-                    <a:lumMod val="75000"/>
-                    <a:lumOff val="25000"/>
-                  </a:schemeClr>
-                </a:solidFill>
-              </a:rPr>
-              <a:t> CI/CD</a:t>
-            </a:r>
-          </a:p>
-          <a:p>
-            <a:pPr marL="171450" indent="-171450">
-              <a:buFont typeface="Arial" panose="020B0604020202020204" pitchFamily="34" charset="0"/>
-              <a:buChar char="•"/>
-            </a:pPr>
-            <a:r>
-              <a:rPr lang="en-JM" dirty="0" err="1" smtClean="0">
-                <a:solidFill>
-                  <a:schemeClr val="tx1">
-                    <a:lumMod val="75000"/>
-                    <a:lumOff val="25000"/>
-                  </a:schemeClr>
-                </a:solidFill>
-              </a:rPr>
-              <a:t>Conhecendo</a:t>
-            </a:r>
-            <a:r>
-              <a:rPr lang="en-JM" dirty="0" smtClean="0">
-                <a:solidFill>
-                  <a:schemeClr val="tx1">
-                    <a:lumMod val="75000"/>
-                    <a:lumOff val="25000"/>
-                  </a:schemeClr>
-                </a:solidFill>
-              </a:rPr>
-              <a:t> o Docker</a:t>
-            </a:r>
-          </a:p>
-          <a:p>
-            <a:pPr marL="171450" indent="-171450">
-              <a:buFont typeface="Arial" panose="020B0604020202020204" pitchFamily="34" charset="0"/>
-              <a:buChar char="•"/>
-            </a:pPr>
-            <a:r>
-              <a:rPr lang="en-JM" dirty="0" smtClean="0">
-                <a:solidFill>
-                  <a:schemeClr val="tx1">
-                    <a:lumMod val="75000"/>
-                    <a:lumOff val="25000"/>
-                  </a:schemeClr>
-                </a:solidFill>
-              </a:rPr>
-              <a:t>.NET Core CLI</a:t>
-            </a:r>
-          </a:p>
-          <a:p>
-            <a:endParaRPr lang="en-JM" dirty="0"/>
-          </a:p>
-        </p:txBody>
-      </p:sp>
-      <p:sp>
-        <p:nvSpPr>
-          <p:cNvPr id="7" name="Text Placeholder 6"/>
-          <p:cNvSpPr>
-            <a:spLocks noGrp="1"/>
-          </p:cNvSpPr>
-          <p:nvPr>
-            <p:ph type="body" sz="quarter" idx="17"/>
-          </p:nvPr>
-        </p:nvSpPr>
-        <p:spPr>
-          <a:xfrm>
-            <a:off x="533400" y="2419350"/>
-            <a:ext cx="2971800" cy="284163"/>
-          </a:xfrm>
-        </p:spPr>
-        <p:txBody>
-          <a:bodyPr/>
-          <a:lstStyle/>
-          <a:p>
-            <a:r>
-              <a:rPr lang="en-JM" dirty="0" smtClean="0"/>
-              <a:t>02. CI/CD</a:t>
-            </a:r>
-            <a:endParaRPr lang="en-JM" dirty="0"/>
-          </a:p>
-          <a:p>
-            <a:endParaRPr lang="en-JM" dirty="0"/>
-          </a:p>
-        </p:txBody>
-      </p:sp>
-      <p:sp>
-        <p:nvSpPr>
-          <p:cNvPr id="8" name="Text Placeholder 7"/>
-          <p:cNvSpPr>
-            <a:spLocks noGrp="1"/>
-          </p:cNvSpPr>
-          <p:nvPr>
-            <p:ph type="body" sz="quarter" idx="18"/>
-          </p:nvPr>
-        </p:nvSpPr>
-        <p:spPr/>
-        <p:txBody>
-          <a:bodyPr>
-            <a:normAutofit lnSpcReduction="10000"/>
-          </a:bodyPr>
-          <a:lstStyle/>
-          <a:p>
-            <a:pPr marL="171450" indent="-171450">
-              <a:buFont typeface="Arial" panose="020B0604020202020204" pitchFamily="34" charset="0"/>
-              <a:buChar char="•"/>
-            </a:pPr>
-            <a:r>
-              <a:rPr lang="en-JM" dirty="0" err="1" smtClean="0">
-                <a:solidFill>
-                  <a:schemeClr val="tx1">
-                    <a:lumMod val="75000"/>
-                    <a:lumOff val="25000"/>
-                  </a:schemeClr>
-                </a:solidFill>
-              </a:rPr>
-              <a:t>Integração</a:t>
-            </a:r>
-            <a:r>
-              <a:rPr lang="en-JM" dirty="0" smtClean="0">
-                <a:solidFill>
-                  <a:schemeClr val="tx1">
-                    <a:lumMod val="75000"/>
-                    <a:lumOff val="25000"/>
-                  </a:schemeClr>
-                </a:solidFill>
-              </a:rPr>
-              <a:t> </a:t>
-            </a:r>
-            <a:r>
-              <a:rPr lang="en-JM" dirty="0" err="1" smtClean="0">
-                <a:solidFill>
-                  <a:schemeClr val="tx1">
-                    <a:lumMod val="75000"/>
-                    <a:lumOff val="25000"/>
-                  </a:schemeClr>
-                </a:solidFill>
-              </a:rPr>
-              <a:t>Contínua</a:t>
-            </a:r>
-            <a:endParaRPr lang="en-JM" dirty="0" smtClean="0">
-              <a:solidFill>
-                <a:schemeClr val="tx1">
-                  <a:lumMod val="75000"/>
-                  <a:lumOff val="25000"/>
-                </a:schemeClr>
-              </a:solidFill>
-            </a:endParaRPr>
-          </a:p>
-          <a:p>
-            <a:pPr marL="171450" indent="-171450">
-              <a:buFont typeface="Arial" panose="020B0604020202020204" pitchFamily="34" charset="0"/>
-              <a:buChar char="•"/>
-            </a:pPr>
-            <a:r>
-              <a:rPr lang="en-JM" dirty="0" err="1" smtClean="0">
-                <a:solidFill>
-                  <a:schemeClr val="tx1">
-                    <a:lumMod val="75000"/>
-                    <a:lumOff val="25000"/>
-                  </a:schemeClr>
-                </a:solidFill>
-              </a:rPr>
-              <a:t>Entrega</a:t>
-            </a:r>
-            <a:r>
-              <a:rPr lang="en-JM" dirty="0" smtClean="0">
-                <a:solidFill>
-                  <a:schemeClr val="tx1">
-                    <a:lumMod val="75000"/>
-                    <a:lumOff val="25000"/>
-                  </a:schemeClr>
-                </a:solidFill>
-              </a:rPr>
-              <a:t> </a:t>
-            </a:r>
-            <a:r>
-              <a:rPr lang="en-JM" dirty="0" err="1" smtClean="0">
-                <a:solidFill>
-                  <a:schemeClr val="tx1">
-                    <a:lumMod val="75000"/>
-                    <a:lumOff val="25000"/>
-                  </a:schemeClr>
-                </a:solidFill>
-              </a:rPr>
-              <a:t>Contínua</a:t>
-            </a:r>
-            <a:endParaRPr lang="en-JM" dirty="0" smtClean="0">
-              <a:solidFill>
-                <a:schemeClr val="tx1">
-                  <a:lumMod val="75000"/>
-                  <a:lumOff val="25000"/>
-                </a:schemeClr>
-              </a:solidFill>
-            </a:endParaRPr>
-          </a:p>
-          <a:p>
-            <a:pPr marL="171450" indent="-171450">
-              <a:buFont typeface="Arial" panose="020B0604020202020204" pitchFamily="34" charset="0"/>
-              <a:buChar char="•"/>
-            </a:pPr>
-            <a:r>
-              <a:rPr lang="en-JM" dirty="0" err="1" smtClean="0">
-                <a:solidFill>
-                  <a:schemeClr val="tx1">
-                    <a:lumMod val="75000"/>
-                    <a:lumOff val="25000"/>
-                  </a:schemeClr>
-                </a:solidFill>
-              </a:rPr>
-              <a:t>Implantação</a:t>
-            </a:r>
-            <a:r>
-              <a:rPr lang="en-JM" dirty="0" smtClean="0">
-                <a:solidFill>
-                  <a:schemeClr val="tx1">
-                    <a:lumMod val="75000"/>
-                    <a:lumOff val="25000"/>
-                  </a:schemeClr>
-                </a:solidFill>
-              </a:rPr>
-              <a:t> </a:t>
-            </a:r>
-            <a:r>
-              <a:rPr lang="en-JM" dirty="0" err="1" smtClean="0">
-                <a:solidFill>
-                  <a:schemeClr val="tx1">
-                    <a:lumMod val="75000"/>
-                    <a:lumOff val="25000"/>
-                  </a:schemeClr>
-                </a:solidFill>
-              </a:rPr>
-              <a:t>Contínua</a:t>
-            </a:r>
-            <a:endParaRPr lang="en-JM" dirty="0"/>
-          </a:p>
-        </p:txBody>
-      </p:sp>
-      <p:sp>
-        <p:nvSpPr>
-          <p:cNvPr id="9" name="Text Placeholder 8"/>
-          <p:cNvSpPr>
-            <a:spLocks noGrp="1"/>
-          </p:cNvSpPr>
-          <p:nvPr>
-            <p:ph type="body" sz="quarter" idx="19"/>
-          </p:nvPr>
-        </p:nvSpPr>
-        <p:spPr>
-          <a:xfrm>
-            <a:off x="533400" y="3486150"/>
-            <a:ext cx="2819400" cy="284163"/>
-          </a:xfrm>
-        </p:spPr>
-        <p:txBody>
-          <a:bodyPr/>
-          <a:lstStyle/>
-          <a:p>
-            <a:r>
-              <a:rPr lang="en-JM" dirty="0" smtClean="0"/>
-              <a:t>03. DEMO</a:t>
-            </a:r>
-            <a:endParaRPr lang="en-JM" dirty="0"/>
-          </a:p>
-          <a:p>
-            <a:endParaRPr lang="en-JM" dirty="0"/>
-          </a:p>
-        </p:txBody>
-      </p:sp>
-      <p:sp>
-        <p:nvSpPr>
-          <p:cNvPr id="10" name="Text Placeholder 9"/>
-          <p:cNvSpPr>
-            <a:spLocks noGrp="1"/>
-          </p:cNvSpPr>
-          <p:nvPr>
-            <p:ph type="body" sz="quarter" idx="20"/>
-          </p:nvPr>
-        </p:nvSpPr>
-        <p:spPr/>
-        <p:txBody>
-          <a:bodyPr>
-            <a:normAutofit/>
-          </a:bodyPr>
-          <a:lstStyle/>
-          <a:p>
-            <a:pPr marL="171450" indent="-171450">
-              <a:buFont typeface="Arial" panose="020B0604020202020204" pitchFamily="34" charset="0"/>
-              <a:buChar char="•"/>
-            </a:pPr>
-            <a:r>
-              <a:rPr lang="en-JM" dirty="0" smtClean="0">
-                <a:solidFill>
-                  <a:schemeClr val="tx1">
-                    <a:lumMod val="75000"/>
-                    <a:lumOff val="25000"/>
-                  </a:schemeClr>
-                </a:solidFill>
-              </a:rPr>
-              <a:t>Hora da </a:t>
-            </a:r>
-            <a:r>
-              <a:rPr lang="en-JM" dirty="0" err="1" smtClean="0">
-                <a:solidFill>
-                  <a:schemeClr val="tx1">
-                    <a:lumMod val="75000"/>
-                    <a:lumOff val="25000"/>
-                  </a:schemeClr>
-                </a:solidFill>
-              </a:rPr>
-              <a:t>Diversão</a:t>
-            </a:r>
-            <a:endParaRPr lang="en-JM" dirty="0"/>
-          </a:p>
-        </p:txBody>
-      </p:sp>
-      <p:sp>
-        <p:nvSpPr>
-          <p:cNvPr id="12" name="Text Placeholder 8"/>
-          <p:cNvSpPr txBox="1">
-            <a:spLocks/>
-          </p:cNvSpPr>
+          </a:p>
+        </p:txBody>
+      </p:sp>
+      <p:pic>
+        <p:nvPicPr>
+          <p:cNvPr id="6" name="Picture 2" descr="https://msopentech.com/wp-content/uploads/dockericon.png"/>
+          <p:cNvPicPr>
+            <a:picLocks noChangeAspect="1" noChangeArrowheads="1"/>
+          </p:cNvPicPr>
           <p:nvPr/>
-        </p:nvSpPr>
-        <p:spPr>
-          <a:xfrm>
-            <a:off x="3962400" y="1352550"/>
-            <a:ext cx="2819400" cy="284163"/>
+        </p:nvPicPr>
+        <p:blipFill>
+          <a:blip r:embed="rId2">
+            <a:extLst>
+              <a:ext uri="{28A0092B-C50C-407E-A947-70E740481C1C}">
+                <a14:useLocalDpi xmlns:a14="http://schemas.microsoft.com/office/drawing/2010/main" val="0"/>
+              </a:ext>
+            </a:extLst>
+          </a:blip>
+          <a:srcRect/>
+          <a:stretch>
+            <a:fillRect/>
+          </a:stretch>
+        </p:blipFill>
+        <p:spPr bwMode="auto">
+          <a:xfrm>
+            <a:off x="2362200" y="1809750"/>
+            <a:ext cx="4106802" cy="1394861"/>
           </a:xfrm>
           <a:prstGeom prst="rect">
             <a:avLst/>
           </a:prstGeom>
-        </p:spPr>
-        <p:txBody>
-          <a:bodyPr vert="horz" lIns="91440" tIns="45720" rIns="91440" bIns="45720" rtlCol="0">
-            <a:noAutofit/>
-          </a:bodyPr>
-          <a:lstStyle>
-            <a:lvl1pPr marL="0" indent="0" algn="l" defTabSz="914400" rtl="0" eaLnBrk="1" latinLnBrk="0" hangingPunct="1">
-              <a:lnSpc>
-                <a:spcPct val="110000"/>
-              </a:lnSpc>
-              <a:spcBef>
-                <a:spcPts val="0"/>
-              </a:spcBef>
-              <a:buFontTx/>
-              <a:buNone/>
-              <a:defRPr sz="1600" b="0" kern="1200">
-                <a:solidFill>
-                  <a:srgbClr val="0070C0"/>
-                </a:solidFill>
-                <a:latin typeface="Bebas Neue" pitchFamily="34" charset="0"/>
-                <a:ea typeface="+mn-ea"/>
-                <a:cs typeface="Arial" pitchFamily="34" charset="0"/>
-              </a:defRPr>
-            </a:lvl1pPr>
-            <a:lvl2pPr marL="457200" indent="0" algn="l" defTabSz="914400" rtl="0" eaLnBrk="1" latinLnBrk="0" hangingPunct="1">
-              <a:lnSpc>
-                <a:spcPct val="110000"/>
-              </a:lnSpc>
-              <a:spcBef>
-                <a:spcPts val="0"/>
-              </a:spcBef>
-              <a:buFontTx/>
-              <a:buNone/>
-              <a:defRPr sz="1600" kern="1200">
-                <a:solidFill>
-                  <a:schemeClr val="tx1">
-                    <a:lumMod val="85000"/>
-                    <a:lumOff val="15000"/>
-                  </a:schemeClr>
-                </a:solidFill>
-                <a:latin typeface="Bebas Neue" pitchFamily="34" charset="0"/>
-                <a:ea typeface="+mn-ea"/>
-                <a:cs typeface="Arial" pitchFamily="34" charset="0"/>
-              </a:defRPr>
-            </a:lvl2pPr>
-            <a:lvl3pPr marL="914400" indent="0" algn="l" defTabSz="914400" rtl="0" eaLnBrk="1" latinLnBrk="0" hangingPunct="1">
-              <a:lnSpc>
-                <a:spcPct val="110000"/>
-              </a:lnSpc>
-              <a:spcBef>
-                <a:spcPts val="0"/>
-              </a:spcBef>
-              <a:buFontTx/>
-              <a:buNone/>
-              <a:defRPr sz="1600" kern="1200">
-                <a:solidFill>
-                  <a:schemeClr val="tx1">
-                    <a:lumMod val="85000"/>
-                    <a:lumOff val="15000"/>
-                  </a:schemeClr>
-                </a:solidFill>
-                <a:latin typeface="Bebas Neue" pitchFamily="34" charset="0"/>
-                <a:ea typeface="+mn-ea"/>
-                <a:cs typeface="Arial" pitchFamily="34" charset="0"/>
-              </a:defRPr>
-            </a:lvl3pPr>
-            <a:lvl4pPr marL="1371600" indent="0" algn="l" defTabSz="914400" rtl="0" eaLnBrk="1" latinLnBrk="0" hangingPunct="1">
-              <a:lnSpc>
-                <a:spcPct val="110000"/>
-              </a:lnSpc>
-              <a:spcBef>
-                <a:spcPts val="0"/>
-              </a:spcBef>
-              <a:buFontTx/>
-              <a:buNone/>
-              <a:defRPr sz="1600" kern="1200">
-                <a:solidFill>
-                  <a:schemeClr val="tx1">
-                    <a:lumMod val="85000"/>
-                    <a:lumOff val="15000"/>
-                  </a:schemeClr>
-                </a:solidFill>
-                <a:latin typeface="Bebas Neue" pitchFamily="34" charset="0"/>
-                <a:ea typeface="+mn-ea"/>
-                <a:cs typeface="Arial" pitchFamily="34" charset="0"/>
-              </a:defRPr>
-            </a:lvl4pPr>
-            <a:lvl5pPr marL="1828800" indent="0" algn="l" defTabSz="914400" rtl="0" eaLnBrk="1" latinLnBrk="0" hangingPunct="1">
-              <a:lnSpc>
-                <a:spcPct val="110000"/>
-              </a:lnSpc>
-              <a:spcBef>
-                <a:spcPts val="0"/>
-              </a:spcBef>
-              <a:buFontTx/>
-              <a:buNone/>
-              <a:defRPr sz="1600" kern="1200">
-                <a:solidFill>
-                  <a:schemeClr val="tx1">
-                    <a:lumMod val="85000"/>
-                    <a:lumOff val="15000"/>
-                  </a:schemeClr>
-                </a:solidFill>
-                <a:latin typeface="Bebas Neue" pitchFamily="34" charset="0"/>
-                <a:ea typeface="+mn-ea"/>
-                <a:cs typeface="Arial" pitchFamily="34" charset="0"/>
-              </a:defRPr>
-            </a:lvl5pPr>
-            <a:lvl6pPr marL="2514600" indent="-228600" algn="l" defTabSz="914400" rtl="0" eaLnBrk="1" latinLnBrk="0" hangingPunct="1">
-              <a:spcBef>
-                <a:spcPct val="20000"/>
-              </a:spcBef>
-              <a:buFont typeface="Arial" pitchFamily="34" charset="0"/>
-              <a:buChar char="•"/>
-              <a:defRPr sz="2000" kern="1200">
-                <a:solidFill>
-                  <a:schemeClr val="tx1"/>
-                </a:solidFill>
-                <a:latin typeface="+mn-lt"/>
-                <a:ea typeface="+mn-ea"/>
-                <a:cs typeface="+mn-cs"/>
-              </a:defRPr>
-            </a:lvl6pPr>
-            <a:lvl7pPr marL="2971800" indent="-228600" algn="l" defTabSz="914400" rtl="0" eaLnBrk="1" latinLnBrk="0" hangingPunct="1">
-              <a:spcBef>
-                <a:spcPct val="20000"/>
-              </a:spcBef>
-              <a:buFont typeface="Arial" pitchFamily="34" charset="0"/>
-              <a:buChar char="•"/>
-              <a:defRPr sz="2000" kern="1200">
-                <a:solidFill>
-                  <a:schemeClr val="tx1"/>
-                </a:solidFill>
-                <a:latin typeface="+mn-lt"/>
-                <a:ea typeface="+mn-ea"/>
-                <a:cs typeface="+mn-cs"/>
-              </a:defRPr>
-            </a:lvl7pPr>
-            <a:lvl8pPr marL="3429000" indent="-228600" algn="l" defTabSz="914400" rtl="0" eaLnBrk="1" latinLnBrk="0" hangingPunct="1">
-              <a:spcBef>
-                <a:spcPct val="20000"/>
-              </a:spcBef>
-              <a:buFont typeface="Arial" pitchFamily="34" charset="0"/>
-              <a:buChar char="•"/>
-              <a:defRPr sz="2000" kern="1200">
-                <a:solidFill>
-                  <a:schemeClr val="tx1"/>
-                </a:solidFill>
-                <a:latin typeface="+mn-lt"/>
-                <a:ea typeface="+mn-ea"/>
-                <a:cs typeface="+mn-cs"/>
-              </a:defRPr>
-            </a:lvl8pPr>
-            <a:lvl9pPr marL="3886200" indent="-228600" algn="l" defTabSz="914400" rtl="0" eaLnBrk="1" latinLnBrk="0" hangingPunct="1">
-              <a:spcBef>
-                <a:spcPct val="20000"/>
-              </a:spcBef>
-              <a:buFont typeface="Arial" pitchFamily="34" charset="0"/>
-              <a:buChar char="•"/>
-              <a:defRPr sz="2000" kern="1200">
-                <a:solidFill>
-                  <a:schemeClr val="tx1"/>
-                </a:solidFill>
-                <a:latin typeface="+mn-lt"/>
-                <a:ea typeface="+mn-ea"/>
-                <a:cs typeface="+mn-cs"/>
-              </a:defRPr>
-            </a:lvl9pPr>
-          </a:lstStyle>
-          <a:p>
-            <a:r>
-              <a:rPr lang="en-JM" dirty="0" smtClean="0"/>
-              <a:t>04. LABS</a:t>
-            </a:r>
-          </a:p>
-          <a:p>
-            <a:endParaRPr lang="en-JM" dirty="0"/>
-          </a:p>
-        </p:txBody>
-      </p:sp>
-      <p:sp>
-        <p:nvSpPr>
-          <p:cNvPr id="13" name="Text Placeholder 9"/>
-          <p:cNvSpPr txBox="1">
-            <a:spLocks/>
-          </p:cNvSpPr>
-          <p:nvPr/>
-        </p:nvSpPr>
-        <p:spPr>
-          <a:xfrm>
-            <a:off x="3962400" y="1581150"/>
-            <a:ext cx="2743200" cy="609600"/>
-          </a:xfrm>
-          <a:prstGeom prst="rect">
-            <a:avLst/>
-          </a:prstGeom>
-        </p:spPr>
-        <p:txBody>
-          <a:bodyPr vert="horz" lIns="91440" tIns="45720" rIns="91440" bIns="45720" rtlCol="0">
-            <a:normAutofit/>
-          </a:bodyPr>
-          <a:lstStyle>
-            <a:lvl1pPr marL="0" indent="0" algn="l" defTabSz="914400" rtl="0" eaLnBrk="1" latinLnBrk="0" hangingPunct="1">
-              <a:lnSpc>
-                <a:spcPct val="110000"/>
-              </a:lnSpc>
-              <a:spcBef>
-                <a:spcPts val="0"/>
-              </a:spcBef>
-              <a:buFontTx/>
-              <a:buNone/>
-              <a:defRPr sz="1100" kern="1200">
-                <a:solidFill>
-                  <a:schemeClr val="tx1">
-                    <a:lumMod val="85000"/>
-                    <a:lumOff val="15000"/>
-                  </a:schemeClr>
-                </a:solidFill>
-                <a:latin typeface="Arial" pitchFamily="34" charset="0"/>
-                <a:ea typeface="+mn-ea"/>
-                <a:cs typeface="Arial" pitchFamily="34" charset="0"/>
-              </a:defRPr>
-            </a:lvl1pPr>
-            <a:lvl2pPr marL="457200" indent="0" algn="l" defTabSz="914400" rtl="0" eaLnBrk="1" latinLnBrk="0" hangingPunct="1">
-              <a:lnSpc>
-                <a:spcPct val="110000"/>
-              </a:lnSpc>
-              <a:spcBef>
-                <a:spcPts val="0"/>
-              </a:spcBef>
-              <a:buFontTx/>
-              <a:buNone/>
-              <a:defRPr sz="1400" kern="1200">
-                <a:solidFill>
-                  <a:schemeClr val="tx1">
-                    <a:lumMod val="85000"/>
-                    <a:lumOff val="15000"/>
-                  </a:schemeClr>
-                </a:solidFill>
-                <a:latin typeface="Arial" pitchFamily="34" charset="0"/>
-                <a:ea typeface="+mn-ea"/>
-                <a:cs typeface="Arial" pitchFamily="34" charset="0"/>
-              </a:defRPr>
-            </a:lvl2pPr>
-            <a:lvl3pPr marL="914400" indent="0" algn="l" defTabSz="914400" rtl="0" eaLnBrk="1" latinLnBrk="0" hangingPunct="1">
-              <a:lnSpc>
-                <a:spcPct val="110000"/>
-              </a:lnSpc>
-              <a:spcBef>
-                <a:spcPts val="0"/>
-              </a:spcBef>
-              <a:buFontTx/>
-              <a:buNone/>
-              <a:defRPr sz="1400" kern="1200">
-                <a:solidFill>
-                  <a:schemeClr val="tx1">
-                    <a:lumMod val="85000"/>
-                    <a:lumOff val="15000"/>
-                  </a:schemeClr>
-                </a:solidFill>
-                <a:latin typeface="Arial" pitchFamily="34" charset="0"/>
-                <a:ea typeface="+mn-ea"/>
-                <a:cs typeface="Arial" pitchFamily="34" charset="0"/>
-              </a:defRPr>
-            </a:lvl3pPr>
-            <a:lvl4pPr marL="1371600" indent="0" algn="l" defTabSz="914400" rtl="0" eaLnBrk="1" latinLnBrk="0" hangingPunct="1">
-              <a:lnSpc>
-                <a:spcPct val="110000"/>
-              </a:lnSpc>
-              <a:spcBef>
-                <a:spcPts val="0"/>
-              </a:spcBef>
-              <a:buFontTx/>
-              <a:buNone/>
-              <a:defRPr sz="1400" kern="1200">
-                <a:solidFill>
-                  <a:schemeClr val="tx1">
-                    <a:lumMod val="85000"/>
-                    <a:lumOff val="15000"/>
-                  </a:schemeClr>
-                </a:solidFill>
-                <a:latin typeface="Arial" pitchFamily="34" charset="0"/>
-                <a:ea typeface="+mn-ea"/>
-                <a:cs typeface="Arial" pitchFamily="34" charset="0"/>
-              </a:defRPr>
-            </a:lvl4pPr>
-            <a:lvl5pPr marL="1828800" indent="0" algn="l" defTabSz="914400" rtl="0" eaLnBrk="1" latinLnBrk="0" hangingPunct="1">
-              <a:lnSpc>
-                <a:spcPct val="110000"/>
-              </a:lnSpc>
-              <a:spcBef>
-                <a:spcPts val="0"/>
-              </a:spcBef>
-              <a:buFontTx/>
-              <a:buNone/>
-              <a:defRPr sz="1400" kern="1200">
-                <a:solidFill>
-                  <a:schemeClr val="tx1">
-                    <a:lumMod val="85000"/>
-                    <a:lumOff val="15000"/>
-                  </a:schemeClr>
-                </a:solidFill>
-                <a:latin typeface="Arial" pitchFamily="34" charset="0"/>
-                <a:ea typeface="+mn-ea"/>
-                <a:cs typeface="Arial" pitchFamily="34" charset="0"/>
-              </a:defRPr>
-            </a:lvl5pPr>
-            <a:lvl6pPr marL="2514600" indent="-228600" algn="l" defTabSz="914400" rtl="0" eaLnBrk="1" latinLnBrk="0" hangingPunct="1">
-              <a:spcBef>
-                <a:spcPct val="20000"/>
-              </a:spcBef>
-              <a:buFont typeface="Arial" pitchFamily="34" charset="0"/>
-              <a:buChar char="•"/>
-              <a:defRPr sz="2000" kern="1200">
-                <a:solidFill>
-                  <a:schemeClr val="tx1"/>
-                </a:solidFill>
-                <a:latin typeface="+mn-lt"/>
-                <a:ea typeface="+mn-ea"/>
-                <a:cs typeface="+mn-cs"/>
-              </a:defRPr>
-            </a:lvl6pPr>
-            <a:lvl7pPr marL="2971800" indent="-228600" algn="l" defTabSz="914400" rtl="0" eaLnBrk="1" latinLnBrk="0" hangingPunct="1">
-              <a:spcBef>
-                <a:spcPct val="20000"/>
-              </a:spcBef>
-              <a:buFont typeface="Arial" pitchFamily="34" charset="0"/>
-              <a:buChar char="•"/>
-              <a:defRPr sz="2000" kern="1200">
-                <a:solidFill>
-                  <a:schemeClr val="tx1"/>
-                </a:solidFill>
-                <a:latin typeface="+mn-lt"/>
-                <a:ea typeface="+mn-ea"/>
-                <a:cs typeface="+mn-cs"/>
-              </a:defRPr>
-            </a:lvl7pPr>
-            <a:lvl8pPr marL="3429000" indent="-228600" algn="l" defTabSz="914400" rtl="0" eaLnBrk="1" latinLnBrk="0" hangingPunct="1">
-              <a:spcBef>
-                <a:spcPct val="20000"/>
-              </a:spcBef>
-              <a:buFont typeface="Arial" pitchFamily="34" charset="0"/>
-              <a:buChar char="•"/>
-              <a:defRPr sz="2000" kern="1200">
-                <a:solidFill>
-                  <a:schemeClr val="tx1"/>
-                </a:solidFill>
-                <a:latin typeface="+mn-lt"/>
-                <a:ea typeface="+mn-ea"/>
-                <a:cs typeface="+mn-cs"/>
-              </a:defRPr>
-            </a:lvl8pPr>
-            <a:lvl9pPr marL="3886200" indent="-228600" algn="l" defTabSz="914400" rtl="0" eaLnBrk="1" latinLnBrk="0" hangingPunct="1">
-              <a:spcBef>
-                <a:spcPct val="20000"/>
-              </a:spcBef>
-              <a:buFont typeface="Arial" pitchFamily="34" charset="0"/>
-              <a:buChar char="•"/>
-              <a:defRPr sz="2000" kern="1200">
-                <a:solidFill>
-                  <a:schemeClr val="tx1"/>
-                </a:solidFill>
-                <a:latin typeface="+mn-lt"/>
-                <a:ea typeface="+mn-ea"/>
-                <a:cs typeface="+mn-cs"/>
-              </a:defRPr>
-            </a:lvl9pPr>
-          </a:lstStyle>
-          <a:p>
-            <a:pPr marL="171450" indent="-171450">
-              <a:buFont typeface="Arial" panose="020B0604020202020204" pitchFamily="34" charset="0"/>
-              <a:buChar char="•"/>
-            </a:pPr>
-            <a:r>
-              <a:rPr lang="en-JM" dirty="0" err="1" smtClean="0">
-                <a:solidFill>
-                  <a:schemeClr val="tx1">
-                    <a:lumMod val="75000"/>
-                    <a:lumOff val="25000"/>
-                  </a:schemeClr>
-                </a:solidFill>
-              </a:rPr>
-              <a:t>Faça</a:t>
-            </a:r>
-            <a:r>
-              <a:rPr lang="en-JM" dirty="0" smtClean="0">
-                <a:solidFill>
-                  <a:schemeClr val="tx1">
-                    <a:lumMod val="75000"/>
-                    <a:lumOff val="25000"/>
-                  </a:schemeClr>
-                </a:solidFill>
-              </a:rPr>
-              <a:t> </a:t>
-            </a:r>
-            <a:r>
-              <a:rPr lang="en-JM" dirty="0" err="1" smtClean="0">
-                <a:solidFill>
-                  <a:schemeClr val="tx1">
-                    <a:lumMod val="75000"/>
-                    <a:lumOff val="25000"/>
-                  </a:schemeClr>
-                </a:solidFill>
-              </a:rPr>
-              <a:t>você</a:t>
-            </a:r>
-            <a:r>
-              <a:rPr lang="en-JM" dirty="0" smtClean="0">
-                <a:solidFill>
-                  <a:schemeClr val="tx1">
-                    <a:lumMod val="75000"/>
-                    <a:lumOff val="25000"/>
-                  </a:schemeClr>
-                </a:solidFill>
-              </a:rPr>
-              <a:t> </a:t>
-            </a:r>
-            <a:r>
-              <a:rPr lang="en-JM" dirty="0" err="1" smtClean="0">
-                <a:solidFill>
-                  <a:schemeClr val="tx1">
-                    <a:lumMod val="75000"/>
-                    <a:lumOff val="25000"/>
-                  </a:schemeClr>
-                </a:solidFill>
-              </a:rPr>
-              <a:t>mesmo</a:t>
-            </a:r>
-            <a:endParaRPr lang="en-JM" dirty="0"/>
-          </a:p>
-        </p:txBody>
-      </p:sp>
+          <a:noFill/>
+          <a:extLst>
+            <a:ext uri="{909E8E84-426E-40DD-AFC4-6F175D3DCCD1}">
+              <a14:hiddenFill xmlns:a14="http://schemas.microsoft.com/office/drawing/2010/main">
+                <a:solidFill>
+                  <a:srgbClr val="FFFFFF"/>
+                </a:solidFill>
+              </a14:hiddenFill>
+            </a:ext>
+          </a:extLst>
+        </p:spPr>
+      </p:pic>
     </p:spTree>
     <p:extLst>
       <p:ext uri="{BB962C8B-B14F-4D97-AF65-F5344CB8AC3E}">
-        <p14:creationId xmlns:p14="http://schemas.microsoft.com/office/powerpoint/2010/main" val="215834500"/>
+        <p14:creationId xmlns:p14="http://schemas.microsoft.com/office/powerpoint/2010/main" val="2989538696"/>
       </p:ext>
     </p:extLst>
   </p:cSld>
   <p:clrMapOvr>
     <a:masterClrMapping/>
   </p:clrMapOvr>
-  <p:transition spd="slow">
-    <p:push dir="u"/>
-  </p:transition>
+  <mc:AlternateContent xmlns:mc="http://schemas.openxmlformats.org/markup-compatibility/2006" xmlns:p14="http://schemas.microsoft.com/office/powerpoint/2010/main">
+    <mc:Choice Requires="p14">
+      <p:transition spd="slow" p14:dur="1600">
+        <p14:conveyor dir="l"/>
+      </p:transition>
+    </mc:Choice>
+    <mc:Fallback xmlns="">
+      <p:transition spd="slow">
+        <p:fade/>
+      </p:transition>
+    </mc:Fallback>
+  </mc:AlternateContent>
   <p:timing>
     <p:tnLst>
       <p:par>
@@ -18309,7 +17486,7 @@
           <a:p>
             <a:r>
               <a:rPr lang="en-JM" dirty="0" smtClean="0"/>
-              <a:t>Demo</a:t>
+              <a:t>Labs</a:t>
             </a:r>
             <a:endParaRPr lang="en-JM" dirty="0"/>
           </a:p>
@@ -18339,7 +17516,7 @@
       </p:sp>
       <p:pic>
         <p:nvPicPr>
-          <p:cNvPr id="6" name="Picture 2" descr="https://msopentech.com/wp-content/uploads/dockericon.png"/>
+          <p:cNvPr id="1026" name="Picture 2" descr="Resultado de imagem para github"/>
           <p:cNvPicPr>
             <a:picLocks noChangeAspect="1" noChangeArrowheads="1"/>
           </p:cNvPicPr>
@@ -18360,8 +17537,8 @@
         </p:blipFill>
         <p:spPr bwMode="auto">
           <a:xfrm>
-            <a:off x="2362200" y="1809750"/>
-            <a:ext cx="4106802" cy="1394861"/>
+            <a:off x="381000" y="1041634"/>
+            <a:ext cx="4111625" cy="1779551"/>
           </a:xfrm>
           <a:prstGeom prst="rect">
             <a:avLst/>
@@ -18378,10 +17555,57 @@
           </a:extLst>
         </p:spPr>
       </p:pic>
+      <p:sp>
+        <p:nvSpPr>
+          <p:cNvPr id="4" name="Retângulo 3"/>
+          <p:cNvSpPr/>
+          <p:nvPr/>
+        </p:nvSpPr>
+        <p:spPr>
+          <a:xfrm>
+            <a:off x="423393" y="3127025"/>
+            <a:ext cx="5484813" cy="471921"/>
+          </a:xfrm>
+          <a:prstGeom prst="rect">
+            <a:avLst/>
+          </a:prstGeom>
+        </p:spPr>
+        <p:txBody>
+          <a:bodyPr vert="horz" lIns="91440" tIns="45720" rIns="91440" bIns="45720" rtlCol="0">
+            <a:noAutofit/>
+          </a:bodyPr>
+          <a:lstStyle/>
+          <a:p>
+            <a:pPr>
+              <a:lnSpc>
+                <a:spcPct val="110000"/>
+              </a:lnSpc>
+            </a:pPr>
+            <a:r>
+              <a:rPr lang="pt-BR" sz="1600" dirty="0">
+                <a:solidFill>
+                  <a:srgbClr val="0070C0"/>
+                </a:solidFill>
+                <a:latin typeface="Bebas Neue" pitchFamily="34" charset="0"/>
+                <a:cs typeface="Arial" pitchFamily="34" charset="0"/>
+                <a:hlinkClick r:id="rId3"/>
+              </a:rPr>
+              <a:t>https://github.com/ivanpaulovich/azure-bootcamp</a:t>
+            </a:r>
+            <a:endParaRPr lang="pt-BR" sz="1600" dirty="0">
+              <a:solidFill>
+                <a:srgbClr val="0070C0"/>
+              </a:solidFill>
+              <a:latin typeface="Bebas Neue" pitchFamily="34" charset="0"/>
+              <a:cs typeface="Arial" pitchFamily="34" charset="0"/>
+            </a:endParaRPr>
+          </a:p>
+        </p:txBody>
+      </p:sp>
     </p:spTree>
     <p:extLst>
       <p:ext uri="{BB962C8B-B14F-4D97-AF65-F5344CB8AC3E}">
-        <p14:creationId xmlns:p14="http://schemas.microsoft.com/office/powerpoint/2010/main" val="2989538696"/>
+        <p14:creationId xmlns:p14="http://schemas.microsoft.com/office/powerpoint/2010/main" val="1670205190"/>
       </p:ext>
     </p:extLst>
   </p:cSld>
@@ -18448,8 +17672,24 @@
           <a:lstStyle/>
           <a:p>
             <a:r>
+              <a:rPr lang="en-JM" dirty="0" err="1" smtClean="0"/>
+              <a:t>Veja</a:t>
+            </a:r>
+            <a:r>
               <a:rPr lang="en-JM" dirty="0" smtClean="0"/>
-              <a:t>Labs</a:t>
+              <a:t> as</a:t>
+            </a:r>
+            <a:r>
+              <a:rPr lang="en-JM" dirty="0" smtClean="0"/>
+              <a:t> </a:t>
+            </a:r>
+            <a:r>
+              <a:rPr lang="en-JM" dirty="0" err="1" smtClean="0">
+                <a:solidFill>
+                  <a:srgbClr val="0070C0"/>
+                </a:solidFill>
+              </a:rPr>
+              <a:t>referências</a:t>
             </a:r>
             <a:endParaRPr lang="en-JM" dirty="0"/>
           </a:p>
@@ -18471,133 +17711,284 @@
           <a:lstStyle/>
           <a:p>
             <a:r>
-              <a:rPr lang="en-JM" dirty="0"/>
+              <a:rPr lang="en-JM" dirty="0" smtClean="0"/>
               <a:t>GAB – Raja Valley</a:t>
             </a:r>
-          </a:p>
-        </p:txBody>
-      </p:sp>
-      <p:pic>
-        <p:nvPicPr>
-          <p:cNvPr id="1026" name="Picture 2" descr="Resultado de imagem para github"/>
-          <p:cNvPicPr>
-            <a:picLocks noChangeAspect="1" noChangeArrowheads="1"/>
-          </p:cNvPicPr>
-          <p:nvPr/>
-        </p:nvPicPr>
-        <p:blipFill>
-          <a:blip r:embed="rId2">
-            <a:extLst>
-              <a:ext uri="{28A0092B-C50C-407E-A947-70E740481C1C}">
-                <a14:useLocalDpi xmlns:a14="http://schemas.microsoft.com/office/drawing/2010/main" val="0"/>
-              </a:ext>
-            </a:extLst>
-          </a:blip>
-          <a:srcRect/>
-          <a:stretch>
-            <a:fillRect/>
-          </a:stretch>
-        </p:blipFill>
-        <p:spPr bwMode="auto">
-          <a:xfrm>
-            <a:off x="381000" y="1041634"/>
-            <a:ext cx="4111625" cy="1779551"/>
-          </a:xfrm>
-          <a:prstGeom prst="rect">
-            <a:avLst/>
-          </a:prstGeom>
-          <a:noFill/>
-          <a:extLst>
-            <a:ext uri="{909E8E84-426E-40DD-AFC4-6F175D3DCCD1}">
-              <a14:hiddenFill xmlns:a14="http://schemas.microsoft.com/office/drawing/2010/main">
-                <a:solidFill>
-                  <a:srgbClr val="FFFFFF"/>
-                </a:solidFill>
-              </a14:hiddenFill>
-            </a:ext>
-          </a:extLst>
-        </p:spPr>
-      </p:pic>
-      <p:sp>
-        <p:nvSpPr>
-          <p:cNvPr id="4" name="Retângulo 3"/>
-          <p:cNvSpPr/>
-          <p:nvPr/>
-        </p:nvSpPr>
-        <p:spPr>
-          <a:xfrm>
-            <a:off x="423393" y="3127025"/>
-            <a:ext cx="5484813" cy="471921"/>
-          </a:xfrm>
-          <a:prstGeom prst="rect">
-            <a:avLst/>
-          </a:prstGeom>
-        </p:spPr>
-        <p:txBody>
-          <a:bodyPr vert="horz" lIns="91440" tIns="45720" rIns="91440" bIns="45720" rtlCol="0">
-            <a:noAutofit/>
+            <a:endParaRPr lang="en-JM" dirty="0"/>
+          </a:p>
+        </p:txBody>
+      </p:sp>
+      <p:sp>
+        <p:nvSpPr>
+          <p:cNvPr id="6" name="Text Placeholder 5"/>
+          <p:cNvSpPr>
+            <a:spLocks noGrp="1"/>
+          </p:cNvSpPr>
+          <p:nvPr>
+            <p:ph type="body" sz="quarter" idx="16"/>
+          </p:nvPr>
+        </p:nvSpPr>
+        <p:spPr>
+          <a:xfrm>
+            <a:off x="533400" y="1047750"/>
+            <a:ext cx="8153400" cy="3352800"/>
+          </a:xfrm>
+        </p:spPr>
+        <p:txBody>
+          <a:bodyPr>
+            <a:normAutofit/>
           </a:bodyPr>
           <a:lstStyle/>
           <a:p>
-            <a:pPr>
-              <a:lnSpc>
-                <a:spcPct val="110000"/>
-              </a:lnSpc>
+            <a:pPr marL="171450" indent="-171450">
+              <a:buFont typeface="Arial" panose="020B0604020202020204" pitchFamily="34" charset="0"/>
+              <a:buChar char="•"/>
             </a:pPr>
             <a:r>
-              <a:rPr lang="pt-BR" sz="1600" dirty="0">
-                <a:solidFill>
-                  <a:srgbClr val="0070C0"/>
-                </a:solidFill>
-                <a:latin typeface="Bebas Neue" pitchFamily="34" charset="0"/>
-                <a:cs typeface="Arial" pitchFamily="34" charset="0"/>
+              <a:rPr lang="en-US" dirty="0"/>
+              <a:t>Hands-on: Docker, Azure and CI/CD Pipelines</a:t>
+            </a:r>
+            <a:br>
+              <a:rPr lang="en-US" dirty="0"/>
+            </a:br>
+            <a:r>
+              <a:rPr lang="pt-BR" dirty="0">
+                <a:hlinkClick r:id="rId2"/>
+              </a:rPr>
+              <a:t>https://goo.gl/QWvrgR</a:t>
+            </a:r>
+            <a:endParaRPr lang="pt-BR" dirty="0"/>
+          </a:p>
+          <a:p>
+            <a:pPr marL="171450" indent="-171450">
+              <a:buFont typeface="Arial" panose="020B0604020202020204" pitchFamily="34" charset="0"/>
+              <a:buChar char="•"/>
+            </a:pPr>
+            <a:r>
+              <a:rPr lang="pt-BR" dirty="0"/>
+              <a:t>CI/CD for </a:t>
+            </a:r>
+            <a:r>
+              <a:rPr lang="pt-BR" dirty="0" err="1"/>
+              <a:t>newbies</a:t>
+            </a:r>
+            <a:r>
+              <a:rPr lang="pt-BR" dirty="0"/>
+              <a:t/>
+            </a:r>
+            <a:br>
+              <a:rPr lang="pt-BR" dirty="0"/>
+            </a:br>
+            <a:r>
+              <a:rPr lang="pt-BR" dirty="0">
                 <a:hlinkClick r:id="rId3"/>
               </a:rPr>
-              <a:t>https://</a:t>
-            </a:r>
-            <a:r>
-              <a:rPr lang="pt-BR" sz="1600" dirty="0">
-                <a:solidFill>
-                  <a:srgbClr val="0070C0"/>
-                </a:solidFill>
-                <a:latin typeface="Bebas Neue" pitchFamily="34" charset="0"/>
-                <a:cs typeface="Arial" pitchFamily="34" charset="0"/>
-                <a:hlinkClick r:id="rId3"/>
+              <a:t>https://goo.gl/1Rjwsu</a:t>
+            </a:r>
+            <a:endParaRPr lang="en-US" dirty="0"/>
+          </a:p>
+          <a:p>
+            <a:pPr marL="171450" indent="-171450">
+              <a:buFont typeface="Arial" panose="020B0604020202020204" pitchFamily="34" charset="0"/>
+              <a:buChar char="•"/>
+            </a:pPr>
+            <a:r>
+              <a:rPr lang="en-US" dirty="0"/>
+              <a:t>Containerized Docker Application Lifecycle with Microsoft Platform and Tools (eBook).</a:t>
+            </a:r>
+            <a:br>
+              <a:rPr lang="en-US" dirty="0"/>
+            </a:br>
+            <a:r>
+              <a:rPr lang="pt-BR" dirty="0"/>
+              <a:t>Cesar de </a:t>
+            </a:r>
+            <a:r>
+              <a:rPr lang="pt-BR" dirty="0" err="1"/>
+              <a:t>la</a:t>
+            </a:r>
+            <a:r>
+              <a:rPr lang="pt-BR" dirty="0"/>
+              <a:t> Torre, 2016.</a:t>
+            </a:r>
+            <a:br>
+              <a:rPr lang="pt-BR" dirty="0"/>
+            </a:br>
+            <a:r>
+              <a:rPr lang="pt-BR" dirty="0">
+                <a:hlinkClick r:id="rId4"/>
               </a:rPr>
-              <a:t>github.com/ivanpaulovich/azure-bootcamp</a:t>
-            </a:r>
-            <a:endParaRPr lang="pt-BR" sz="1600" dirty="0">
-              <a:solidFill>
-                <a:srgbClr val="0070C0"/>
-              </a:solidFill>
-              <a:latin typeface="Bebas Neue" pitchFamily="34" charset="0"/>
-              <a:cs typeface="Arial" pitchFamily="34" charset="0"/>
-            </a:endParaRPr>
+              <a:t>https://goo.gl/lVKGGq</a:t>
+            </a:r>
+            <a:endParaRPr lang="pt-BR" dirty="0"/>
+          </a:p>
+          <a:p>
+            <a:pPr marL="171450" indent="-171450">
+              <a:buFont typeface="Arial" panose="020B0604020202020204" pitchFamily="34" charset="0"/>
+              <a:buChar char="•"/>
+            </a:pPr>
+            <a:r>
+              <a:rPr lang="pt-BR" dirty="0" err="1"/>
+              <a:t>eShopOnContainers</a:t>
+            </a:r>
+            <a:r>
+              <a:rPr lang="pt-BR" dirty="0"/>
+              <a:t> - </a:t>
+            </a:r>
+            <a:r>
+              <a:rPr lang="pt-BR" dirty="0" err="1"/>
+              <a:t>Microservices</a:t>
+            </a:r>
+            <a:r>
+              <a:rPr lang="pt-BR" dirty="0"/>
+              <a:t> </a:t>
+            </a:r>
+            <a:r>
+              <a:rPr lang="pt-BR" dirty="0" err="1"/>
+              <a:t>Architecture</a:t>
+            </a:r>
+            <a:r>
+              <a:rPr lang="pt-BR" dirty="0"/>
+              <a:t> </a:t>
+            </a:r>
+            <a:r>
+              <a:rPr lang="pt-BR" dirty="0" err="1"/>
+              <a:t>and</a:t>
+            </a:r>
+            <a:r>
+              <a:rPr lang="pt-BR" dirty="0"/>
+              <a:t> Containers </a:t>
+            </a:r>
+            <a:r>
+              <a:rPr lang="pt-BR" dirty="0" err="1"/>
+              <a:t>based</a:t>
+            </a:r>
+            <a:r>
+              <a:rPr lang="pt-BR" dirty="0"/>
+              <a:t> </a:t>
+            </a:r>
+            <a:r>
+              <a:rPr lang="pt-BR" dirty="0" err="1"/>
+              <a:t>Reference</a:t>
+            </a:r>
+            <a:r>
+              <a:rPr lang="pt-BR" dirty="0"/>
+              <a:t> </a:t>
+            </a:r>
+            <a:r>
+              <a:rPr lang="pt-BR" dirty="0" err="1"/>
+              <a:t>Application</a:t>
+            </a:r>
+            <a:r>
+              <a:rPr lang="pt-BR" dirty="0"/>
+              <a:t/>
+            </a:r>
+            <a:br>
+              <a:rPr lang="pt-BR" dirty="0"/>
+            </a:br>
+            <a:r>
+              <a:rPr lang="pt-BR" dirty="0">
+                <a:hlinkClick r:id="rId5"/>
+              </a:rPr>
+              <a:t>http://aka.ms/microservicesarchitecture</a:t>
+            </a:r>
+            <a:endParaRPr lang="pt-BR" dirty="0"/>
+          </a:p>
+          <a:p>
+            <a:pPr marL="171450" indent="-171450">
+              <a:buFont typeface="Arial" panose="020B0604020202020204" pitchFamily="34" charset="0"/>
+              <a:buChar char="•"/>
+            </a:pPr>
+            <a:r>
+              <a:rPr lang="pt-BR" dirty="0" err="1"/>
+              <a:t>Install</a:t>
+            </a:r>
+            <a:r>
+              <a:rPr lang="pt-BR" dirty="0"/>
+              <a:t> </a:t>
+            </a:r>
+            <a:r>
+              <a:rPr lang="pt-BR" dirty="0" err="1"/>
+              <a:t>Azure</a:t>
+            </a:r>
+            <a:r>
+              <a:rPr lang="pt-BR" dirty="0"/>
+              <a:t> CLI 2.0</a:t>
+            </a:r>
+            <a:br>
+              <a:rPr lang="pt-BR" dirty="0"/>
+            </a:br>
+            <a:r>
+              <a:rPr lang="pt-BR" dirty="0">
+                <a:hlinkClick r:id="rId6"/>
+              </a:rPr>
+              <a:t>https://goo.gl/4fqVrP</a:t>
+            </a:r>
+            <a:endParaRPr lang="pt-BR" dirty="0"/>
+          </a:p>
+          <a:p>
+            <a:pPr marL="171450" indent="-171450">
+              <a:buFont typeface="Arial" panose="020B0604020202020204" pitchFamily="34" charset="0"/>
+              <a:buChar char="•"/>
+            </a:pPr>
+            <a:r>
+              <a:rPr lang="pt-BR" dirty="0"/>
+              <a:t>VSTS Agent (</a:t>
+            </a:r>
+            <a:r>
+              <a:rPr lang="pt-BR" dirty="0" err="1"/>
+              <a:t>Docker</a:t>
+            </a:r>
+            <a:r>
+              <a:rPr lang="pt-BR" dirty="0"/>
+              <a:t>)</a:t>
+            </a:r>
+            <a:br>
+              <a:rPr lang="pt-BR" dirty="0"/>
+            </a:br>
+            <a:r>
+              <a:rPr lang="pt-BR" dirty="0">
+                <a:hlinkClick r:id="rId7"/>
+              </a:rPr>
+              <a:t>https://goo.gl/TMG2FK</a:t>
+            </a:r>
+            <a:endParaRPr lang="pt-BR" dirty="0"/>
+          </a:p>
+          <a:p>
+            <a:pPr marL="171450" indent="-171450">
+              <a:buFont typeface="Arial" panose="020B0604020202020204" pitchFamily="34" charset="0"/>
+              <a:buChar char="•"/>
+            </a:pPr>
+            <a:r>
+              <a:rPr lang="en-US" dirty="0"/>
+              <a:t>Authenticate access with personal access tokens for Team Services and TFS</a:t>
+            </a:r>
+            <a:br>
+              <a:rPr lang="en-US" dirty="0"/>
+            </a:br>
+            <a:r>
+              <a:rPr lang="pt-BR" dirty="0">
+                <a:hlinkClick r:id="rId8"/>
+              </a:rPr>
+              <a:t>https://goo.gl/tEw9Vn</a:t>
+            </a:r>
+            <a:endParaRPr lang="pt-BR" dirty="0"/>
           </a:p>
         </p:txBody>
       </p:sp>
     </p:spTree>
     <p:extLst>
       <p:ext uri="{BB962C8B-B14F-4D97-AF65-F5344CB8AC3E}">
-        <p14:creationId xmlns:p14="http://schemas.microsoft.com/office/powerpoint/2010/main" val="1670205190"/>
+        <p14:creationId xmlns:p14="http://schemas.microsoft.com/office/powerpoint/2010/main" val="215834500"/>
       </p:ext>
     </p:extLst>
   </p:cSld>
   <p:clrMapOvr>
     <a:masterClrMapping/>
   </p:clrMapOvr>
-  <mc:AlternateContent xmlns:mc="http://schemas.openxmlformats.org/markup-compatibility/2006" xmlns:p14="http://schemas.microsoft.com/office/powerpoint/2010/main">
-    <mc:Choice Requires="p14">
-      <p:transition spd="slow" p14:dur="1600">
-        <p14:conveyor dir="l"/>
-      </p:transition>
-    </mc:Choice>
-    <mc:Fallback xmlns="">
-      <p:transition spd="slow">
-        <p:fade/>
-      </p:transition>
-    </mc:Fallback>
-  </mc:AlternateContent>
+  <p:transition spd="slow">
+    <p:push dir="u"/>
+  </p:transition>
   <p:timing>
     <p:tnLst>
       <p:par>
